--- a/docs/BASIC_PRESENTATION.pptx
+++ b/docs/BASIC_PRESENTATION.pptx
@@ -3634,7 +3634,12 @@
             <p:ph type="title"/>
           </p:nvPr>
         </p:nvSpPr>
-        <p:spPr/>
+        <p:spPr>
+          <a:xfrm>
+            <a:off x="457200" y="44624"/>
+            <a:ext cx="8229600" cy="1143000"/>
+          </a:xfrm>
+        </p:spPr>
         <p:txBody>
           <a:bodyPr/>
           <a:lstStyle/>
@@ -3647,29 +3652,47 @@
           </a:p>
         </p:txBody>
       </p:sp>
-      <p:sp>
-        <p:nvSpPr>
-          <p:cNvPr id="3" name="Content Placeholder 2"/>
-          <p:cNvSpPr>
-            <a:spLocks noGrp="1"/>
-          </p:cNvSpPr>
-          <p:nvPr>
-            <p:ph idx="1"/>
-          </p:nvPr>
-        </p:nvSpPr>
-        <p:spPr/>
-        <p:txBody>
-          <a:bodyPr/>
-          <a:lstStyle/>
-          <a:p>
-            <a:r>
-              <a:rPr lang="en-GB" dirty="0" smtClean="0"/>
-              <a:t>&lt;Copy / Paste &gt;</a:t>
-            </a:r>
-            <a:endParaRPr lang="en-GB" dirty="0"/>
-          </a:p>
-        </p:txBody>
-      </p:sp>
+      <p:pic>
+        <p:nvPicPr>
+          <p:cNvPr id="1026" name="Picture 2" descr="C:\Users\Ewan\Documents\GitHub\studeso\docs\diagrams\BarkER.png"/>
+          <p:cNvPicPr>
+            <a:picLocks noChangeAspect="1" noChangeArrowheads="1"/>
+          </p:cNvPicPr>
+          <p:nvPr/>
+        </p:nvPicPr>
+        <p:blipFill>
+          <a:blip r:embed="rId2">
+            <a:extLst>
+              <a:ext uri="{28A0092B-C50C-407E-A947-70E740481C1C}">
+                <a14:useLocalDpi xmlns:a14="http://schemas.microsoft.com/office/drawing/2010/main" val="0"/>
+              </a:ext>
+            </a:extLst>
+          </a:blip>
+          <a:srcRect/>
+          <a:stretch>
+            <a:fillRect/>
+          </a:stretch>
+        </p:blipFill>
+        <p:spPr bwMode="auto">
+          <a:xfrm>
+            <a:off x="896938" y="1240308"/>
+            <a:ext cx="7419478" cy="5429052"/>
+          </a:xfrm>
+          <a:prstGeom prst="rect">
+            <a:avLst/>
+          </a:prstGeom>
+          <a:noFill/>
+          <a:extLst>
+            <a:ext uri="{909E8E84-426E-40DD-AFC4-6F175D3DCCD1}">
+              <a14:hiddenFill xmlns:a14="http://schemas.microsoft.com/office/drawing/2010/main">
+                <a:solidFill>
+                  <a:srgbClr val="FFFFFF"/>
+                </a:solidFill>
+              </a14:hiddenFill>
+            </a:ext>
+          </a:extLst>
+        </p:spPr>
+      </p:pic>
     </p:spTree>
     <p:extLst>
       <p:ext uri="{BB962C8B-B14F-4D97-AF65-F5344CB8AC3E}">
@@ -3717,7 +3740,12 @@
             <p:ph type="title"/>
           </p:nvPr>
         </p:nvSpPr>
-        <p:spPr/>
+        <p:spPr>
+          <a:xfrm>
+            <a:off x="395536" y="53752"/>
+            <a:ext cx="8229600" cy="1143000"/>
+          </a:xfrm>
+        </p:spPr>
         <p:txBody>
           <a:bodyPr/>
           <a:lstStyle/>
@@ -3738,29 +3766,47 @@
           </a:p>
         </p:txBody>
       </p:sp>
-      <p:sp>
-        <p:nvSpPr>
-          <p:cNvPr id="3" name="Content Placeholder 2"/>
-          <p:cNvSpPr>
-            <a:spLocks noGrp="1"/>
-          </p:cNvSpPr>
-          <p:nvPr>
-            <p:ph idx="1"/>
-          </p:nvPr>
-        </p:nvSpPr>
-        <p:spPr/>
-        <p:txBody>
-          <a:bodyPr/>
-          <a:lstStyle/>
-          <a:p>
-            <a:r>
-              <a:rPr lang="en-GB" dirty="0" smtClean="0"/>
-              <a:t>&lt; Copy / Paste &gt;</a:t>
-            </a:r>
-            <a:endParaRPr lang="en-GB" dirty="0"/>
-          </a:p>
-        </p:txBody>
-      </p:sp>
+      <p:pic>
+        <p:nvPicPr>
+          <p:cNvPr id="2050" name="Picture 2" descr="C:\Users\Ewan\Documents\GitHub\studeso\docs\diagrams\BarkNTier.png"/>
+          <p:cNvPicPr>
+            <a:picLocks noChangeAspect="1" noChangeArrowheads="1"/>
+          </p:cNvPicPr>
+          <p:nvPr/>
+        </p:nvPicPr>
+        <p:blipFill>
+          <a:blip r:embed="rId2">
+            <a:extLst>
+              <a:ext uri="{28A0092B-C50C-407E-A947-70E740481C1C}">
+                <a14:useLocalDpi xmlns:a14="http://schemas.microsoft.com/office/drawing/2010/main" val="0"/>
+              </a:ext>
+            </a:extLst>
+          </a:blip>
+          <a:srcRect/>
+          <a:stretch>
+            <a:fillRect/>
+          </a:stretch>
+        </p:blipFill>
+        <p:spPr bwMode="auto">
+          <a:xfrm>
+            <a:off x="395536" y="2708920"/>
+            <a:ext cx="8088313" cy="1206500"/>
+          </a:xfrm>
+          <a:prstGeom prst="rect">
+            <a:avLst/>
+          </a:prstGeom>
+          <a:noFill/>
+          <a:extLst>
+            <a:ext uri="{909E8E84-426E-40DD-AFC4-6F175D3DCCD1}">
+              <a14:hiddenFill xmlns:a14="http://schemas.microsoft.com/office/drawing/2010/main">
+                <a:solidFill>
+                  <a:srgbClr val="FFFFFF"/>
+                </a:solidFill>
+              </a14:hiddenFill>
+            </a:ext>
+          </a:extLst>
+        </p:spPr>
+      </p:pic>
     </p:spTree>
     <p:extLst>
       <p:ext uri="{BB962C8B-B14F-4D97-AF65-F5344CB8AC3E}">

--- a/docs/BASIC_PRESENTATION.pptx
+++ b/docs/BASIC_PRESENTATION.pptx
@@ -110,6 +110,22 @@
       </a:defRPr>
     </a:lvl9pPr>
   </p:defaultTextStyle>
+  <p:extLst>
+    <p:ext uri="{EFAFB233-063F-42B5-8137-9DF3F51BA10A}">
+      <p15:sldGuideLst xmlns:p15="http://schemas.microsoft.com/office/powerpoint/2012/main">
+        <p15:guide id="1" orient="horz" pos="2160">
+          <p15:clr>
+            <a:srgbClr val="A4A3A4"/>
+          </p15:clr>
+        </p15:guide>
+        <p15:guide id="2" pos="2880">
+          <p15:clr>
+            <a:srgbClr val="A4A3A4"/>
+          </p15:clr>
+        </p15:guide>
+      </p15:sldGuideLst>
+    </p:ext>
+  </p:extLst>
 </p:presentation>
 </file>
 
@@ -3751,16 +3767,12 @@
           <a:lstStyle/>
           <a:p>
             <a:r>
+              <a:rPr lang="en-GB" smtClean="0"/>
+              <a:t>N-Tier </a:t>
+            </a:r>
+            <a:r>
               <a:rPr lang="en-GB" dirty="0" smtClean="0"/>
-              <a:t>N-</a:t>
-            </a:r>
-            <a:r>
-              <a:rPr lang="en-GB" dirty="0" err="1" smtClean="0"/>
-              <a:t>Teir</a:t>
-            </a:r>
-            <a:r>
-              <a:rPr lang="en-GB" dirty="0" smtClean="0"/>
-              <a:t> Diagram</a:t>
+              <a:t>Diagram</a:t>
             </a:r>
             <a:endParaRPr lang="en-GB" dirty="0"/>
           </a:p>
